--- a/Final Short Presentation_2.pptx
+++ b/Final Short Presentation_2.pptx
@@ -198,7 +198,7 @@
           <a:p>
             <a:fld id="{D4C85C50-5966-7F47-B65F-115231D8156F}" type="datetimeFigureOut">
               <a:rPr lang="en-CH" smtClean="0"/>
-              <a:t>01.06.23</a:t>
+              <a:t>02.06.23</a:t>
             </a:fld>
             <a:endParaRPr lang="en-CH"/>
           </a:p>
@@ -656,7 +656,7 @@
                 <a:latin typeface="Calibri" panose="020F0502020204030204" pitchFamily="34" charset="0"/>
                 <a:ea typeface="Times New Roman" panose="02020603050405020304" pitchFamily="18" charset="0"/>
               </a:rPr>
-              <a:t>vidence reveals that the needs of corporate travelers are not fully met in economy class. By encouraging them to upgrade, you can capture more profit and enhance their overall satisfaction.</a:t>
+              <a:t>vidence reveals that the needs of corporate travelers are not fully met in this class. By encouraging them to upgrade, you can capture more profit and enhance their overall satisfaction.</a:t>
             </a:r>
             <a:endParaRPr lang="en-CH" sz="1800" dirty="0">
               <a:effectLst/>
@@ -687,7 +687,7 @@
                 <a:latin typeface="Calibri" panose="020F0502020204030204" pitchFamily="34" charset="0"/>
                 <a:ea typeface="Times New Roman" panose="02020603050405020304" pitchFamily="18" charset="0"/>
               </a:rPr>
-              <a:t>increasing competition, passenger satisfaction becomes even more crucial. </a:t>
+              <a:t>increasing competition, passenger satisfaction becomes even more vital. </a:t>
             </a:r>
             <a:endParaRPr lang="en-CH" sz="1800" dirty="0">
               <a:effectLst/>
@@ -1652,7 +1652,7 @@
           <a:p>
             <a:fld id="{C7C76689-8582-794D-9C38-C0FFCB35800C}" type="datetimeFigureOut">
               <a:rPr lang="en-CH" smtClean="0"/>
-              <a:t>01.06.23</a:t>
+              <a:t>02.06.23</a:t>
             </a:fld>
             <a:endParaRPr lang="en-CH"/>
           </a:p>
@@ -1852,7 +1852,7 @@
           <a:p>
             <a:fld id="{C7C76689-8582-794D-9C38-C0FFCB35800C}" type="datetimeFigureOut">
               <a:rPr lang="en-CH" smtClean="0"/>
-              <a:t>01.06.23</a:t>
+              <a:t>02.06.23</a:t>
             </a:fld>
             <a:endParaRPr lang="en-CH"/>
           </a:p>
@@ -2062,7 +2062,7 @@
           <a:p>
             <a:fld id="{C7C76689-8582-794D-9C38-C0FFCB35800C}" type="datetimeFigureOut">
               <a:rPr lang="en-CH" smtClean="0"/>
-              <a:t>01.06.23</a:t>
+              <a:t>02.06.23</a:t>
             </a:fld>
             <a:endParaRPr lang="en-CH"/>
           </a:p>
@@ -2262,7 +2262,7 @@
           <a:p>
             <a:fld id="{C7C76689-8582-794D-9C38-C0FFCB35800C}" type="datetimeFigureOut">
               <a:rPr lang="en-CH" smtClean="0"/>
-              <a:t>01.06.23</a:t>
+              <a:t>02.06.23</a:t>
             </a:fld>
             <a:endParaRPr lang="en-CH"/>
           </a:p>
@@ -2538,7 +2538,7 @@
           <a:p>
             <a:fld id="{C7C76689-8582-794D-9C38-C0FFCB35800C}" type="datetimeFigureOut">
               <a:rPr lang="en-CH" smtClean="0"/>
-              <a:t>01.06.23</a:t>
+              <a:t>02.06.23</a:t>
             </a:fld>
             <a:endParaRPr lang="en-CH"/>
           </a:p>
@@ -2806,7 +2806,7 @@
           <a:p>
             <a:fld id="{C7C76689-8582-794D-9C38-C0FFCB35800C}" type="datetimeFigureOut">
               <a:rPr lang="en-CH" smtClean="0"/>
-              <a:t>01.06.23</a:t>
+              <a:t>02.06.23</a:t>
             </a:fld>
             <a:endParaRPr lang="en-CH"/>
           </a:p>
@@ -3221,7 +3221,7 @@
           <a:p>
             <a:fld id="{C7C76689-8582-794D-9C38-C0FFCB35800C}" type="datetimeFigureOut">
               <a:rPr lang="en-CH" smtClean="0"/>
-              <a:t>01.06.23</a:t>
+              <a:t>02.06.23</a:t>
             </a:fld>
             <a:endParaRPr lang="en-CH"/>
           </a:p>
@@ -3363,7 +3363,7 @@
           <a:p>
             <a:fld id="{C7C76689-8582-794D-9C38-C0FFCB35800C}" type="datetimeFigureOut">
               <a:rPr lang="en-CH" smtClean="0"/>
-              <a:t>01.06.23</a:t>
+              <a:t>02.06.23</a:t>
             </a:fld>
             <a:endParaRPr lang="en-CH"/>
           </a:p>
@@ -3476,7 +3476,7 @@
           <a:p>
             <a:fld id="{C7C76689-8582-794D-9C38-C0FFCB35800C}" type="datetimeFigureOut">
               <a:rPr lang="en-CH" smtClean="0"/>
-              <a:t>01.06.23</a:t>
+              <a:t>02.06.23</a:t>
             </a:fld>
             <a:endParaRPr lang="en-CH"/>
           </a:p>
@@ -3789,7 +3789,7 @@
           <a:p>
             <a:fld id="{C7C76689-8582-794D-9C38-C0FFCB35800C}" type="datetimeFigureOut">
               <a:rPr lang="en-CH" smtClean="0"/>
-              <a:t>01.06.23</a:t>
+              <a:t>02.06.23</a:t>
             </a:fld>
             <a:endParaRPr lang="en-CH"/>
           </a:p>
@@ -4078,7 +4078,7 @@
           <a:p>
             <a:fld id="{C7C76689-8582-794D-9C38-C0FFCB35800C}" type="datetimeFigureOut">
               <a:rPr lang="en-CH" smtClean="0"/>
-              <a:t>01.06.23</a:t>
+              <a:t>02.06.23</a:t>
             </a:fld>
             <a:endParaRPr lang="en-CH"/>
           </a:p>
@@ -4321,7 +4321,7 @@
           <a:p>
             <a:fld id="{C7C76689-8582-794D-9C38-C0FFCB35800C}" type="datetimeFigureOut">
               <a:rPr lang="en-CH" smtClean="0"/>
-              <a:t>01.06.23</a:t>
+              <a:t>02.06.23</a:t>
             </a:fld>
             <a:endParaRPr lang="en-CH"/>
           </a:p>
@@ -4748,7 +4748,7 @@
       </p:grpSpPr>
       <p:sp>
         <p:nvSpPr>
-          <p:cNvPr id="7" name="Rectangle 6">
+          <p:cNvPr id="12" name="Rectangle 11">
             <a:extLst>
               <a:ext uri="{FF2B5EF4-FFF2-40B4-BE49-F238E27FC236}">
                 <a16:creationId xmlns:a16="http://schemas.microsoft.com/office/drawing/2014/main" id="{42A4FC2C-047E-45A5-965D-8E1E3BF09BC6}"/>
@@ -4903,10 +4903,10 @@
       </p:sp>
       <p:pic>
         <p:nvPicPr>
-          <p:cNvPr id="2" name="Picture 1" descr="A group of people in a waiting area&#10;&#10;Description automatically generated with low confidence">
-            <a:extLst>
-              <a:ext uri="{FF2B5EF4-FFF2-40B4-BE49-F238E27FC236}">
-                <a16:creationId xmlns:a16="http://schemas.microsoft.com/office/drawing/2014/main" id="{D4419C94-76B9-9F65-F7BA-9E63DE98DB89}"/>
+          <p:cNvPr id="3" name="Picture 2">
+            <a:extLst>
+              <a:ext uri="{FF2B5EF4-FFF2-40B4-BE49-F238E27FC236}">
+                <a16:creationId xmlns:a16="http://schemas.microsoft.com/office/drawing/2014/main" id="{44D9DCDB-B8EA-C80E-1ED5-F6F9418D53F9}"/>
               </a:ext>
             </a:extLst>
           </p:cNvPr>
@@ -4962,10 +4962,10 @@
       </p:grpSpPr>
       <p:pic>
         <p:nvPicPr>
-          <p:cNvPr id="10" name="Picture 9">
-            <a:extLst>
-              <a:ext uri="{FF2B5EF4-FFF2-40B4-BE49-F238E27FC236}">
-                <a16:creationId xmlns:a16="http://schemas.microsoft.com/office/drawing/2014/main" id="{95BB5AB7-E2A4-74C5-C632-35D3A37C9BA5}"/>
+          <p:cNvPr id="6" name="Picture 5">
+            <a:extLst>
+              <a:ext uri="{FF2B5EF4-FFF2-40B4-BE49-F238E27FC236}">
+                <a16:creationId xmlns:a16="http://schemas.microsoft.com/office/drawing/2014/main" id="{4340601A-BED5-99F0-4D3F-981DFF08C384}"/>
               </a:ext>
             </a:extLst>
           </p:cNvPr>
@@ -4982,8 +4982,8 @@
         </p:blipFill>
         <p:spPr>
           <a:xfrm>
-            <a:off x="-1807" y="0"/>
-            <a:ext cx="12195616" cy="6858000"/>
+            <a:off x="0" y="1016"/>
+            <a:ext cx="12193808" cy="6856984"/>
           </a:xfrm>
           <a:prstGeom prst="rect">
             <a:avLst/>
@@ -5004,8 +5004,8 @@
         </p:nvSpPr>
         <p:spPr>
           <a:xfrm>
-            <a:off x="5973054" y="626675"/>
-            <a:ext cx="5281999" cy="5657492"/>
+            <a:off x="5408518" y="494549"/>
+            <a:ext cx="6096000" cy="5602140"/>
           </a:xfrm>
           <a:prstGeom prst="rect">
             <a:avLst/>
@@ -5062,9 +5062,9 @@
           <a:prstGeom prst="leftBrace">
             <a:avLst/>
           </a:prstGeom>
-          <a:ln w="38100">
+          <a:ln w="12700">
             <a:solidFill>
-              <a:schemeClr val="accent6"/>
+              <a:schemeClr val="tx1"/>
             </a:solidFill>
           </a:ln>
         </p:spPr>
@@ -5087,7 +5087,11 @@
           <a:lstStyle/>
           <a:p>
             <a:pPr algn="ctr"/>
-            <a:endParaRPr lang="en-CH"/>
+            <a:endParaRPr lang="en-CH">
+              <a:solidFill>
+                <a:sysClr val="windowText" lastClr="000000"/>
+              </a:solidFill>
+            </a:endParaRPr>
           </a:p>
         </p:txBody>
       </p:sp>
@@ -5106,14 +5110,14 @@
         <p:spPr>
           <a:xfrm>
             <a:off x="2786905" y="2201112"/>
-            <a:ext cx="402294" cy="2867056"/>
+            <a:ext cx="400769" cy="2800379"/>
           </a:xfrm>
           <a:prstGeom prst="leftBrace">
             <a:avLst/>
           </a:prstGeom>
-          <a:ln w="38100">
+          <a:ln w="12700">
             <a:solidFill>
-              <a:schemeClr val="accent2"/>
+              <a:schemeClr val="tx1"/>
             </a:solidFill>
           </a:ln>
         </p:spPr>
@@ -5154,15 +5158,15 @@
         </p:nvSpPr>
         <p:spPr>
           <a:xfrm>
-            <a:off x="2786905" y="5162762"/>
-            <a:ext cx="402294" cy="659970"/>
+            <a:off x="2785380" y="5162762"/>
+            <a:ext cx="402294" cy="933927"/>
           </a:xfrm>
           <a:prstGeom prst="leftBrace">
             <a:avLst/>
           </a:prstGeom>
-          <a:ln w="38100">
+          <a:ln w="12700">
             <a:solidFill>
-              <a:srgbClr val="FF0000"/>
+              <a:schemeClr val="tx1"/>
             </a:solidFill>
           </a:ln>
         </p:spPr>
@@ -5189,92 +5193,6 @@
           </a:p>
         </p:txBody>
       </p:sp>
-      <p:cxnSp>
-        <p:nvCxnSpPr>
-          <p:cNvPr id="4" name="Straight Connector 3">
-            <a:extLst>
-              <a:ext uri="{FF2B5EF4-FFF2-40B4-BE49-F238E27FC236}">
-                <a16:creationId xmlns:a16="http://schemas.microsoft.com/office/drawing/2014/main" id="{2EDF8D28-1B5D-0127-107B-3889BF53B111}"/>
-              </a:ext>
-            </a:extLst>
-          </p:cNvPr>
-          <p:cNvCxnSpPr/>
-          <p:nvPr/>
-        </p:nvCxnSpPr>
-        <p:spPr>
-          <a:xfrm>
-            <a:off x="4035972" y="4761186"/>
-            <a:ext cx="1839311" cy="0"/>
-          </a:xfrm>
-          <a:prstGeom prst="line">
-            <a:avLst/>
-          </a:prstGeom>
-          <a:ln w="12700">
-            <a:solidFill>
-              <a:schemeClr val="tx1"/>
-            </a:solidFill>
-            <a:prstDash val="sysDash"/>
-          </a:ln>
-        </p:spPr>
-        <p:style>
-          <a:lnRef idx="1">
-            <a:schemeClr val="accent1"/>
-          </a:lnRef>
-          <a:fillRef idx="0">
-            <a:schemeClr val="accent1"/>
-          </a:fillRef>
-          <a:effectRef idx="0">
-            <a:schemeClr val="accent1"/>
-          </a:effectRef>
-          <a:fontRef idx="minor">
-            <a:schemeClr val="tx1"/>
-          </a:fontRef>
-        </p:style>
-      </p:cxnSp>
-      <p:cxnSp>
-        <p:nvCxnSpPr>
-          <p:cNvPr id="5" name="Straight Connector 4">
-            <a:extLst>
-              <a:ext uri="{FF2B5EF4-FFF2-40B4-BE49-F238E27FC236}">
-                <a16:creationId xmlns:a16="http://schemas.microsoft.com/office/drawing/2014/main" id="{393D9DA2-8FFC-1C96-29B1-C0CC9FC259B6}"/>
-              </a:ext>
-            </a:extLst>
-          </p:cNvPr>
-          <p:cNvCxnSpPr>
-            <a:cxnSpLocks/>
-          </p:cNvCxnSpPr>
-          <p:nvPr/>
-        </p:nvCxnSpPr>
-        <p:spPr>
-          <a:xfrm>
-            <a:off x="5474525" y="6310984"/>
-            <a:ext cx="500055" cy="0"/>
-          </a:xfrm>
-          <a:prstGeom prst="line">
-            <a:avLst/>
-          </a:prstGeom>
-          <a:ln w="12700">
-            <a:solidFill>
-              <a:schemeClr val="tx1"/>
-            </a:solidFill>
-            <a:prstDash val="sysDash"/>
-          </a:ln>
-        </p:spPr>
-        <p:style>
-          <a:lnRef idx="1">
-            <a:schemeClr val="accent1"/>
-          </a:lnRef>
-          <a:fillRef idx="0">
-            <a:schemeClr val="accent1"/>
-          </a:fillRef>
-          <a:effectRef idx="0">
-            <a:schemeClr val="accent1"/>
-          </a:effectRef>
-          <a:fontRef idx="minor">
-            <a:schemeClr val="tx1"/>
-          </a:fontRef>
-        </p:style>
-      </p:cxnSp>
       <p:pic>
         <p:nvPicPr>
           <p:cNvPr id="8" name="Picture 7">
@@ -5296,110 +5214,14 @@
         </p:blipFill>
         <p:spPr>
           <a:xfrm>
-            <a:off x="5974580" y="757990"/>
-            <a:ext cx="5282000" cy="5499360"/>
+            <a:off x="5527965" y="494549"/>
+            <a:ext cx="5763890" cy="5602140"/>
           </a:xfrm>
           <a:prstGeom prst="rect">
             <a:avLst/>
           </a:prstGeom>
         </p:spPr>
       </p:pic>
-      <p:sp>
-        <p:nvSpPr>
-          <p:cNvPr id="9" name="Rectangle 8">
-            <a:extLst>
-              <a:ext uri="{FF2B5EF4-FFF2-40B4-BE49-F238E27FC236}">
-                <a16:creationId xmlns:a16="http://schemas.microsoft.com/office/drawing/2014/main" id="{418F8AA8-73E1-1C2A-0C39-D4891DF51B48}"/>
-              </a:ext>
-            </a:extLst>
-          </p:cNvPr>
-          <p:cNvSpPr/>
-          <p:nvPr/>
-        </p:nvSpPr>
-        <p:spPr>
-          <a:xfrm>
-            <a:off x="11255053" y="784805"/>
-            <a:ext cx="121420" cy="5499361"/>
-          </a:xfrm>
-          <a:prstGeom prst="rect">
-            <a:avLst/>
-          </a:prstGeom>
-          <a:solidFill>
-            <a:srgbClr val="B6D5F0"/>
-          </a:solidFill>
-          <a:ln>
-            <a:noFill/>
-          </a:ln>
-        </p:spPr>
-        <p:style>
-          <a:lnRef idx="2">
-            <a:schemeClr val="accent1">
-              <a:shade val="50000"/>
-            </a:schemeClr>
-          </a:lnRef>
-          <a:fillRef idx="1">
-            <a:schemeClr val="accent1"/>
-          </a:fillRef>
-          <a:effectRef idx="0">
-            <a:schemeClr val="accent1"/>
-          </a:effectRef>
-          <a:fontRef idx="minor">
-            <a:schemeClr val="lt1"/>
-          </a:fontRef>
-        </p:style>
-        <p:txBody>
-          <a:bodyPr rtlCol="0" anchor="ctr"/>
-          <a:lstStyle/>
-          <a:p>
-            <a:pPr algn="ctr"/>
-            <a:endParaRPr lang="en-CH" dirty="0"/>
-          </a:p>
-        </p:txBody>
-      </p:sp>
-      <p:cxnSp>
-        <p:nvCxnSpPr>
-          <p:cNvPr id="2" name="Straight Connector 1">
-            <a:extLst>
-              <a:ext uri="{FF2B5EF4-FFF2-40B4-BE49-F238E27FC236}">
-                <a16:creationId xmlns:a16="http://schemas.microsoft.com/office/drawing/2014/main" id="{F54E8307-9095-29BA-A2FA-9FFF8D9E9D7D}"/>
-              </a:ext>
-            </a:extLst>
-          </p:cNvPr>
-          <p:cNvCxnSpPr>
-            <a:cxnSpLocks/>
-          </p:cNvCxnSpPr>
-          <p:nvPr/>
-        </p:nvCxnSpPr>
-        <p:spPr>
-          <a:xfrm>
-            <a:off x="4809067" y="3965319"/>
-            <a:ext cx="1163987" cy="0"/>
-          </a:xfrm>
-          <a:prstGeom prst="line">
-            <a:avLst/>
-          </a:prstGeom>
-          <a:ln w="12700">
-            <a:solidFill>
-              <a:schemeClr val="tx1"/>
-            </a:solidFill>
-            <a:prstDash val="sysDash"/>
-          </a:ln>
-        </p:spPr>
-        <p:style>
-          <a:lnRef idx="1">
-            <a:schemeClr val="accent1"/>
-          </a:lnRef>
-          <a:fillRef idx="0">
-            <a:schemeClr val="accent1"/>
-          </a:fillRef>
-          <a:effectRef idx="0">
-            <a:schemeClr val="accent1"/>
-          </a:effectRef>
-          <a:fontRef idx="minor">
-            <a:schemeClr val="tx1"/>
-          </a:fontRef>
-        </p:style>
-      </p:cxnSp>
     </p:spTree>
     <p:extLst>
       <p:ext uri="{BB962C8B-B14F-4D97-AF65-F5344CB8AC3E}">
@@ -5490,78 +5312,6 @@
                       </p:childTnLst>
                     </p:cTn>
                   </p:par>
-                  <p:par>
-                    <p:cTn id="9" fill="hold">
-                      <p:stCondLst>
-                        <p:cond delay="indefinite"/>
-                      </p:stCondLst>
-                      <p:childTnLst>
-                        <p:par>
-                          <p:cTn id="10" fill="hold">
-                            <p:stCondLst>
-                              <p:cond delay="0"/>
-                            </p:stCondLst>
-                            <p:childTnLst>
-                              <p:par>
-                                <p:cTn id="11" presetID="1" presetClass="exit" presetSubtype="0" fill="hold" grpId="0" nodeType="clickEffect">
-                                  <p:stCondLst>
-                                    <p:cond delay="0"/>
-                                  </p:stCondLst>
-                                  <p:childTnLst>
-                                    <p:set>
-                                      <p:cBhvr>
-                                        <p:cTn id="12" dur="1" fill="hold">
-                                          <p:stCondLst>
-                                            <p:cond delay="0"/>
-                                          </p:stCondLst>
-                                        </p:cTn>
-                                        <p:tgtEl>
-                                          <p:spTgt spid="9"/>
-                                        </p:tgtEl>
-                                        <p:attrNameLst>
-                                          <p:attrName>style.visibility</p:attrName>
-                                        </p:attrNameLst>
-                                      </p:cBhvr>
-                                      <p:to>
-                                        <p:strVal val="hidden"/>
-                                      </p:to>
-                                    </p:set>
-                                  </p:childTnLst>
-                                </p:cTn>
-                              </p:par>
-                              <p:par>
-                                <p:cTn id="13" presetID="1" presetClass="exit" presetSubtype="0" fill="hold" grpId="1" nodeType="withEffect">
-                                  <p:stCondLst>
-                                    <p:cond delay="0"/>
-                                  </p:stCondLst>
-                                  <p:childTnLst>
-                                    <p:set>
-                                      <p:cBhvr>
-                                        <p:cTn id="14" dur="1" fill="hold">
-                                          <p:stCondLst>
-                                            <p:cond delay="0"/>
-                                          </p:stCondLst>
-                                        </p:cTn>
-                                        <p:tgtEl>
-                                          <p:spTgt spid="9"/>
-                                        </p:tgtEl>
-                                        <p:attrNameLst>
-                                          <p:attrName>style.visibility</p:attrName>
-                                        </p:attrNameLst>
-                                      </p:cBhvr>
-                                      <p:to>
-                                        <p:strVal val="hidden"/>
-                                      </p:to>
-                                    </p:set>
-                                  </p:childTnLst>
-                                </p:cTn>
-                              </p:par>
-                            </p:childTnLst>
-                          </p:cTn>
-                        </p:par>
-                      </p:childTnLst>
-                    </p:cTn>
-                  </p:par>
                 </p:childTnLst>
               </p:cTn>
               <p:prevCondLst>
@@ -5585,8 +5335,6 @@
     </p:tnLst>
     <p:bldLst>
       <p:bldP spid="32" grpId="0" animBg="1"/>
-      <p:bldP spid="9" grpId="0" animBg="1"/>
-      <p:bldP spid="9" grpId="1" animBg="1"/>
     </p:bldLst>
   </p:timing>
 </p:sld>
